--- a/Presentation1.pptx
+++ b/Presentation1.pptx
@@ -21972,7 +21972,7 @@
           <a:p>
             <a:fld id="{C4B41AFE-AD0A-4407-90E3-F93BD3384022}" type="datetimeFigureOut">
               <a:rPr lang="en-IN" smtClean="0"/>
-              <a:t>29-09-2021</a:t>
+              <a:t>20-10-2021</a:t>
             </a:fld>
             <a:endParaRPr lang="en-IN"/>
           </a:p>
@@ -22172,7 +22172,7 @@
           <a:p>
             <a:fld id="{C4B41AFE-AD0A-4407-90E3-F93BD3384022}" type="datetimeFigureOut">
               <a:rPr lang="en-IN" smtClean="0"/>
-              <a:t>29-09-2021</a:t>
+              <a:t>20-10-2021</a:t>
             </a:fld>
             <a:endParaRPr lang="en-IN"/>
           </a:p>
@@ -22382,7 +22382,7 @@
           <a:p>
             <a:fld id="{C4B41AFE-AD0A-4407-90E3-F93BD3384022}" type="datetimeFigureOut">
               <a:rPr lang="en-IN" smtClean="0"/>
-              <a:t>29-09-2021</a:t>
+              <a:t>20-10-2021</a:t>
             </a:fld>
             <a:endParaRPr lang="en-IN"/>
           </a:p>
@@ -22582,7 +22582,7 @@
           <a:p>
             <a:fld id="{C4B41AFE-AD0A-4407-90E3-F93BD3384022}" type="datetimeFigureOut">
               <a:rPr lang="en-IN" smtClean="0"/>
-              <a:t>29-09-2021</a:t>
+              <a:t>20-10-2021</a:t>
             </a:fld>
             <a:endParaRPr lang="en-IN"/>
           </a:p>
@@ -22858,7 +22858,7 @@
           <a:p>
             <a:fld id="{C4B41AFE-AD0A-4407-90E3-F93BD3384022}" type="datetimeFigureOut">
               <a:rPr lang="en-IN" smtClean="0"/>
-              <a:t>29-09-2021</a:t>
+              <a:t>20-10-2021</a:t>
             </a:fld>
             <a:endParaRPr lang="en-IN"/>
           </a:p>
@@ -23126,7 +23126,7 @@
           <a:p>
             <a:fld id="{C4B41AFE-AD0A-4407-90E3-F93BD3384022}" type="datetimeFigureOut">
               <a:rPr lang="en-IN" smtClean="0"/>
-              <a:t>29-09-2021</a:t>
+              <a:t>20-10-2021</a:t>
             </a:fld>
             <a:endParaRPr lang="en-IN"/>
           </a:p>
@@ -23541,7 +23541,7 @@
           <a:p>
             <a:fld id="{C4B41AFE-AD0A-4407-90E3-F93BD3384022}" type="datetimeFigureOut">
               <a:rPr lang="en-IN" smtClean="0"/>
-              <a:t>29-09-2021</a:t>
+              <a:t>20-10-2021</a:t>
             </a:fld>
             <a:endParaRPr lang="en-IN"/>
           </a:p>
@@ -23683,7 +23683,7 @@
           <a:p>
             <a:fld id="{C4B41AFE-AD0A-4407-90E3-F93BD3384022}" type="datetimeFigureOut">
               <a:rPr lang="en-IN" smtClean="0"/>
-              <a:t>29-09-2021</a:t>
+              <a:t>20-10-2021</a:t>
             </a:fld>
             <a:endParaRPr lang="en-IN"/>
           </a:p>
@@ -23796,7 +23796,7 @@
           <a:p>
             <a:fld id="{C4B41AFE-AD0A-4407-90E3-F93BD3384022}" type="datetimeFigureOut">
               <a:rPr lang="en-IN" smtClean="0"/>
-              <a:t>29-09-2021</a:t>
+              <a:t>20-10-2021</a:t>
             </a:fld>
             <a:endParaRPr lang="en-IN"/>
           </a:p>
@@ -24109,7 +24109,7 @@
           <a:p>
             <a:fld id="{C4B41AFE-AD0A-4407-90E3-F93BD3384022}" type="datetimeFigureOut">
               <a:rPr lang="en-IN" smtClean="0"/>
-              <a:t>29-09-2021</a:t>
+              <a:t>20-10-2021</a:t>
             </a:fld>
             <a:endParaRPr lang="en-IN"/>
           </a:p>
@@ -24398,7 +24398,7 @@
           <a:p>
             <a:fld id="{C4B41AFE-AD0A-4407-90E3-F93BD3384022}" type="datetimeFigureOut">
               <a:rPr lang="en-IN" smtClean="0"/>
-              <a:t>29-09-2021</a:t>
+              <a:t>20-10-2021</a:t>
             </a:fld>
             <a:endParaRPr lang="en-IN"/>
           </a:p>
@@ -24641,7 +24641,7 @@
           <a:p>
             <a:fld id="{C4B41AFE-AD0A-4407-90E3-F93BD3384022}" type="datetimeFigureOut">
               <a:rPr lang="en-IN" smtClean="0"/>
-              <a:t>29-09-2021</a:t>
+              <a:t>20-10-2021</a:t>
             </a:fld>
             <a:endParaRPr lang="en-IN"/>
           </a:p>
@@ -27810,8 +27810,16 @@
                 <a:buChar char="•"/>
               </a:pPr>
               <a:r>
+                <a:rPr lang="en-US" sz="1200" dirty="0" err="1"/>
+                <a:t>Student:foreign</a:t>
+              </a:r>
+              <a:r>
+                <a:rPr lang="en-US" sz="1200" dirty="0"/>
+                <a:t> key</a:t>
+              </a:r>
+              <a:r>
                 <a:rPr lang="en-US" sz="1200" kern="1200" dirty="0"/>
-                <a:t>Time spent.</a:t>
+                <a:t>.</a:t>
               </a:r>
               <a:endParaRPr lang="en-IN" sz="1200" kern="1200" dirty="0"/>
             </a:p>
@@ -28476,6 +28484,51 @@
           </p:txBody>
         </p:sp>
       </p:grpSp>
+      <p:cxnSp>
+        <p:nvCxnSpPr>
+          <p:cNvPr id="34" name="Straight Arrow Connector 33">
+            <a:extLst>
+              <a:ext uri="{FF2B5EF4-FFF2-40B4-BE49-F238E27FC236}">
+                <a16:creationId xmlns:a16="http://schemas.microsoft.com/office/drawing/2014/main" id="{97C6C6CC-0193-44E9-AFB1-F4747DE51F61}"/>
+              </a:ext>
+            </a:extLst>
+          </p:cNvPr>
+          <p:cNvCxnSpPr>
+            <a:cxnSpLocks/>
+            <a:endCxn id="7" idx="1"/>
+          </p:cNvCxnSpPr>
+          <p:nvPr/>
+        </p:nvCxnSpPr>
+        <p:spPr>
+          <a:xfrm flipH="1">
+            <a:off x="4802089" y="2898263"/>
+            <a:ext cx="5713270" cy="1196878"/>
+          </a:xfrm>
+          <a:prstGeom prst="straightConnector1">
+            <a:avLst/>
+          </a:prstGeom>
+          <a:ln w="57150">
+            <a:solidFill>
+              <a:srgbClr val="FFC000"/>
+            </a:solidFill>
+            <a:tailEnd type="triangle"/>
+          </a:ln>
+        </p:spPr>
+        <p:style>
+          <a:lnRef idx="1">
+            <a:schemeClr val="accent1"/>
+          </a:lnRef>
+          <a:fillRef idx="0">
+            <a:schemeClr val="accent1"/>
+          </a:fillRef>
+          <a:effectRef idx="0">
+            <a:schemeClr val="accent1"/>
+          </a:effectRef>
+          <a:fontRef idx="minor">
+            <a:schemeClr val="tx1"/>
+          </a:fontRef>
+        </p:style>
+      </p:cxnSp>
     </p:spTree>
     <p:extLst>
       <p:ext uri="{BB962C8B-B14F-4D97-AF65-F5344CB8AC3E}">
